--- a/src/print_A1.pptx
+++ b/src/print_A1.pptx
@@ -245,7 +245,7 @@
           <a:p>
             <a:fld id="{666437CF-6810-4A08-BF63-137A709DEE82}" type="datetimeFigureOut">
               <a:rPr lang="fr-FR" smtClean="0"/>
-              <a:t>17/12/2024</a:t>
+              <a:t>18/12/2024</a:t>
             </a:fld>
             <a:endParaRPr lang="fr-FR"/>
           </a:p>
@@ -415,7 +415,7 @@
           <a:p>
             <a:fld id="{666437CF-6810-4A08-BF63-137A709DEE82}" type="datetimeFigureOut">
               <a:rPr lang="fr-FR" smtClean="0"/>
-              <a:t>17/12/2024</a:t>
+              <a:t>18/12/2024</a:t>
             </a:fld>
             <a:endParaRPr lang="fr-FR"/>
           </a:p>
@@ -595,7 +595,7 @@
           <a:p>
             <a:fld id="{666437CF-6810-4A08-BF63-137A709DEE82}" type="datetimeFigureOut">
               <a:rPr lang="fr-FR" smtClean="0"/>
-              <a:t>17/12/2024</a:t>
+              <a:t>18/12/2024</a:t>
             </a:fld>
             <a:endParaRPr lang="fr-FR"/>
           </a:p>
@@ -765,7 +765,7 @@
           <a:p>
             <a:fld id="{666437CF-6810-4A08-BF63-137A709DEE82}" type="datetimeFigureOut">
               <a:rPr lang="fr-FR" smtClean="0"/>
-              <a:t>17/12/2024</a:t>
+              <a:t>18/12/2024</a:t>
             </a:fld>
             <a:endParaRPr lang="fr-FR"/>
           </a:p>
@@ -1009,7 +1009,7 @@
           <a:p>
             <a:fld id="{666437CF-6810-4A08-BF63-137A709DEE82}" type="datetimeFigureOut">
               <a:rPr lang="fr-FR" smtClean="0"/>
-              <a:t>17/12/2024</a:t>
+              <a:t>18/12/2024</a:t>
             </a:fld>
             <a:endParaRPr lang="fr-FR"/>
           </a:p>
@@ -1241,7 +1241,7 @@
           <a:p>
             <a:fld id="{666437CF-6810-4A08-BF63-137A709DEE82}" type="datetimeFigureOut">
               <a:rPr lang="fr-FR" smtClean="0"/>
-              <a:t>17/12/2024</a:t>
+              <a:t>18/12/2024</a:t>
             </a:fld>
             <a:endParaRPr lang="fr-FR"/>
           </a:p>
@@ -1608,7 +1608,7 @@
           <a:p>
             <a:fld id="{666437CF-6810-4A08-BF63-137A709DEE82}" type="datetimeFigureOut">
               <a:rPr lang="fr-FR" smtClean="0"/>
-              <a:t>17/12/2024</a:t>
+              <a:t>18/12/2024</a:t>
             </a:fld>
             <a:endParaRPr lang="fr-FR"/>
           </a:p>
@@ -1726,7 +1726,7 @@
           <a:p>
             <a:fld id="{666437CF-6810-4A08-BF63-137A709DEE82}" type="datetimeFigureOut">
               <a:rPr lang="fr-FR" smtClean="0"/>
-              <a:t>17/12/2024</a:t>
+              <a:t>18/12/2024</a:t>
             </a:fld>
             <a:endParaRPr lang="fr-FR"/>
           </a:p>
@@ -1821,7 +1821,7 @@
           <a:p>
             <a:fld id="{666437CF-6810-4A08-BF63-137A709DEE82}" type="datetimeFigureOut">
               <a:rPr lang="fr-FR" smtClean="0"/>
-              <a:t>17/12/2024</a:t>
+              <a:t>18/12/2024</a:t>
             </a:fld>
             <a:endParaRPr lang="fr-FR"/>
           </a:p>
@@ -2098,7 +2098,7 @@
           <a:p>
             <a:fld id="{666437CF-6810-4A08-BF63-137A709DEE82}" type="datetimeFigureOut">
               <a:rPr lang="fr-FR" smtClean="0"/>
-              <a:t>17/12/2024</a:t>
+              <a:t>18/12/2024</a:t>
             </a:fld>
             <a:endParaRPr lang="fr-FR"/>
           </a:p>
@@ -2355,7 +2355,7 @@
           <a:p>
             <a:fld id="{666437CF-6810-4A08-BF63-137A709DEE82}" type="datetimeFigureOut">
               <a:rPr lang="fr-FR" smtClean="0"/>
-              <a:t>17/12/2024</a:t>
+              <a:t>18/12/2024</a:t>
             </a:fld>
             <a:endParaRPr lang="fr-FR"/>
           </a:p>
@@ -2568,7 +2568,7 @@
           <a:p>
             <a:fld id="{666437CF-6810-4A08-BF63-137A709DEE82}" type="datetimeFigureOut">
               <a:rPr lang="fr-FR" smtClean="0"/>
-              <a:t>17/12/2024</a:t>
+              <a:t>18/12/2024</a:t>
             </a:fld>
             <a:endParaRPr lang="fr-FR"/>
           </a:p>
@@ -3308,8 +3308,8 @@
         </p:nvSpPr>
         <p:spPr>
           <a:xfrm>
-            <a:off x="1705826" y="2160225"/>
-            <a:ext cx="4804672" cy="369332"/>
+            <a:off x="1454812" y="2160225"/>
+            <a:ext cx="4168502" cy="369332"/>
           </a:xfrm>
           <a:prstGeom prst="rect">
             <a:avLst/>
@@ -3409,7 +3409,7 @@
         </p:nvCxnSpPr>
         <p:spPr>
           <a:xfrm>
-            <a:off x="975905" y="2152560"/>
+            <a:off x="724891" y="2152560"/>
             <a:ext cx="0" cy="7836617"/>
           </a:xfrm>
           <a:prstGeom prst="straightConnector1">
@@ -3458,8 +3458,8 @@
         </p:nvSpPr>
         <p:spPr>
           <a:xfrm>
-            <a:off x="1705826" y="3447258"/>
-            <a:ext cx="4804672" cy="369332"/>
+            <a:off x="1454812" y="3447258"/>
+            <a:ext cx="4168502" cy="369332"/>
           </a:xfrm>
           <a:prstGeom prst="rect">
             <a:avLst/>
@@ -3514,8 +3514,8 @@
         </p:nvSpPr>
         <p:spPr>
           <a:xfrm>
-            <a:off x="1705826" y="4090346"/>
-            <a:ext cx="4804672" cy="369332"/>
+            <a:off x="1454812" y="4090346"/>
+            <a:ext cx="4168502" cy="369332"/>
           </a:xfrm>
           <a:prstGeom prst="rect">
             <a:avLst/>
@@ -3569,8 +3569,8 @@
         </p:nvSpPr>
         <p:spPr>
           <a:xfrm>
-            <a:off x="1705825" y="4709539"/>
-            <a:ext cx="4804672" cy="369332"/>
+            <a:off x="1454811" y="4709539"/>
+            <a:ext cx="4168502" cy="369332"/>
           </a:xfrm>
           <a:prstGeom prst="rect">
             <a:avLst/>
@@ -3625,8 +3625,8 @@
         </p:nvSpPr>
         <p:spPr>
           <a:xfrm>
-            <a:off x="1705826" y="6019610"/>
-            <a:ext cx="4804672" cy="369332"/>
+            <a:off x="1454812" y="6019610"/>
+            <a:ext cx="4168502" cy="369332"/>
           </a:xfrm>
           <a:prstGeom prst="rect">
             <a:avLst/>
@@ -3698,8 +3698,8 @@
         </p:nvSpPr>
         <p:spPr>
           <a:xfrm>
-            <a:off x="1705826" y="6662698"/>
-            <a:ext cx="4804672" cy="369332"/>
+            <a:off x="1454812" y="6662698"/>
+            <a:ext cx="4168502" cy="369332"/>
           </a:xfrm>
           <a:prstGeom prst="rect">
             <a:avLst/>
@@ -3771,8 +3771,8 @@
         </p:nvSpPr>
         <p:spPr>
           <a:xfrm>
-            <a:off x="1705826" y="7305786"/>
-            <a:ext cx="4804672" cy="369332"/>
+            <a:off x="1454812" y="7305786"/>
+            <a:ext cx="4168502" cy="369332"/>
           </a:xfrm>
           <a:prstGeom prst="rect">
             <a:avLst/>
@@ -3826,8 +3826,8 @@
         </p:nvSpPr>
         <p:spPr>
           <a:xfrm>
-            <a:off x="1705826" y="5376522"/>
-            <a:ext cx="4804672" cy="369332"/>
+            <a:off x="1454812" y="5376522"/>
+            <a:ext cx="4168502" cy="369332"/>
           </a:xfrm>
           <a:prstGeom prst="rect">
             <a:avLst/>
@@ -3882,8 +3882,8 @@
         </p:nvSpPr>
         <p:spPr>
           <a:xfrm>
-            <a:off x="1705826" y="8591962"/>
-            <a:ext cx="4804672" cy="369332"/>
+            <a:off x="1454812" y="8591962"/>
+            <a:ext cx="4168502" cy="369332"/>
           </a:xfrm>
           <a:prstGeom prst="rect">
             <a:avLst/>
@@ -3937,8 +3937,8 @@
         </p:nvSpPr>
         <p:spPr>
           <a:xfrm>
-            <a:off x="1705826" y="9235055"/>
-            <a:ext cx="4804672" cy="369332"/>
+            <a:off x="1454812" y="9235055"/>
+            <a:ext cx="4168502" cy="369332"/>
           </a:xfrm>
           <a:prstGeom prst="rect">
             <a:avLst/>
@@ -3994,7 +3994,7 @@
                 </a:solidFill>
                 <a:latin typeface="Consolas" panose="020B0609020204030204" pitchFamily="49" charset="0"/>
               </a:rPr>
-              <a:t>produits Normands</a:t>
+              <a:t>produits normands</a:t>
             </a:r>
             <a:endParaRPr lang="fr-FR" sz="1600" b="1" dirty="0">
               <a:solidFill>
@@ -4019,8 +4019,8 @@
         </p:nvSpPr>
         <p:spPr>
           <a:xfrm>
-            <a:off x="1705826" y="7948874"/>
-            <a:ext cx="4804672" cy="369332"/>
+            <a:off x="1454812" y="7948874"/>
+            <a:ext cx="4168502" cy="369332"/>
           </a:xfrm>
           <a:prstGeom prst="rect">
             <a:avLst/>
@@ -4101,7 +4101,7 @@
         </p:nvSpPr>
         <p:spPr>
           <a:xfrm>
-            <a:off x="975905" y="2157872"/>
+            <a:off x="724891" y="2157872"/>
             <a:ext cx="710451" cy="369332"/>
           </a:xfrm>
           <a:prstGeom prst="rect">
@@ -4117,7 +4117,7 @@
           </a:effectLst>
         </p:spPr>
         <p:txBody>
-          <a:bodyPr wrap="none" rtlCol="0">
+          <a:bodyPr wrap="square" rtlCol="0">
             <a:spAutoFit/>
           </a:bodyPr>
           <a:lstStyle/>
@@ -4143,7 +4143,7 @@
         </p:nvSpPr>
         <p:spPr>
           <a:xfrm>
-            <a:off x="975905" y="2801252"/>
+            <a:off x="724891" y="2801252"/>
             <a:ext cx="710451" cy="369332"/>
           </a:xfrm>
           <a:prstGeom prst="rect">
@@ -4159,7 +4159,7 @@
           </a:effectLst>
         </p:spPr>
         <p:txBody>
-          <a:bodyPr wrap="none" rtlCol="0">
+          <a:bodyPr wrap="square" rtlCol="0">
             <a:spAutoFit/>
           </a:bodyPr>
           <a:lstStyle/>
@@ -4185,7 +4185,7 @@
         </p:nvSpPr>
         <p:spPr>
           <a:xfrm>
-            <a:off x="975905" y="3444632"/>
+            <a:off x="724891" y="3444632"/>
             <a:ext cx="710451" cy="369332"/>
           </a:xfrm>
           <a:prstGeom prst="rect">
@@ -4201,7 +4201,7 @@
           </a:effectLst>
         </p:spPr>
         <p:txBody>
-          <a:bodyPr wrap="none" rtlCol="0">
+          <a:bodyPr wrap="square" rtlCol="0">
             <a:spAutoFit/>
           </a:bodyPr>
           <a:lstStyle/>
@@ -4227,7 +4227,7 @@
         </p:nvSpPr>
         <p:spPr>
           <a:xfrm>
-            <a:off x="975905" y="4088012"/>
+            <a:off x="724891" y="4088012"/>
             <a:ext cx="827471" cy="369332"/>
           </a:xfrm>
           <a:prstGeom prst="rect">
@@ -4243,7 +4243,7 @@
           </a:effectLst>
         </p:spPr>
         <p:txBody>
-          <a:bodyPr wrap="none" rtlCol="0">
+          <a:bodyPr wrap="square" rtlCol="0">
             <a:spAutoFit/>
           </a:bodyPr>
           <a:lstStyle/>
@@ -4269,7 +4269,7 @@
         </p:nvSpPr>
         <p:spPr>
           <a:xfrm>
-            <a:off x="975905" y="4731392"/>
+            <a:off x="724891" y="4731392"/>
             <a:ext cx="774571" cy="369332"/>
           </a:xfrm>
           <a:prstGeom prst="rect">
@@ -4285,7 +4285,7 @@
           </a:effectLst>
         </p:spPr>
         <p:txBody>
-          <a:bodyPr wrap="none" rtlCol="0">
+          <a:bodyPr wrap="square" rtlCol="0">
             <a:spAutoFit/>
           </a:bodyPr>
           <a:lstStyle/>
@@ -4311,7 +4311,7 @@
         </p:nvSpPr>
         <p:spPr>
           <a:xfrm>
-            <a:off x="975905" y="5374772"/>
+            <a:off x="724891" y="5374772"/>
             <a:ext cx="774571" cy="369332"/>
           </a:xfrm>
           <a:prstGeom prst="rect">
@@ -4327,7 +4327,7 @@
           </a:effectLst>
         </p:spPr>
         <p:txBody>
-          <a:bodyPr wrap="none" rtlCol="0">
+          <a:bodyPr wrap="square" rtlCol="0">
             <a:spAutoFit/>
           </a:bodyPr>
           <a:lstStyle/>
@@ -4353,7 +4353,7 @@
         </p:nvSpPr>
         <p:spPr>
           <a:xfrm>
-            <a:off x="975905" y="6018152"/>
+            <a:off x="724891" y="6018152"/>
             <a:ext cx="540533" cy="369332"/>
           </a:xfrm>
           <a:prstGeom prst="rect">
@@ -4369,7 +4369,7 @@
           </a:effectLst>
         </p:spPr>
         <p:txBody>
-          <a:bodyPr wrap="none" rtlCol="0">
+          <a:bodyPr wrap="square" rtlCol="0">
             <a:spAutoFit/>
           </a:bodyPr>
           <a:lstStyle/>
@@ -4395,7 +4395,7 @@
         </p:nvSpPr>
         <p:spPr>
           <a:xfrm>
-            <a:off x="975905" y="6661532"/>
+            <a:off x="724891" y="6661532"/>
             <a:ext cx="774571" cy="369332"/>
           </a:xfrm>
           <a:prstGeom prst="rect">
@@ -4411,7 +4411,7 @@
           </a:effectLst>
         </p:spPr>
         <p:txBody>
-          <a:bodyPr wrap="none" rtlCol="0">
+          <a:bodyPr wrap="square" rtlCol="0">
             <a:spAutoFit/>
           </a:bodyPr>
           <a:lstStyle/>
@@ -4437,7 +4437,7 @@
         </p:nvSpPr>
         <p:spPr>
           <a:xfrm>
-            <a:off x="975905" y="7304912"/>
+            <a:off x="724891" y="7304912"/>
             <a:ext cx="774571" cy="369332"/>
           </a:xfrm>
           <a:prstGeom prst="rect">
@@ -4453,7 +4453,7 @@
           </a:effectLst>
         </p:spPr>
         <p:txBody>
-          <a:bodyPr wrap="none" rtlCol="0">
+          <a:bodyPr wrap="square" rtlCol="0">
             <a:spAutoFit/>
           </a:bodyPr>
           <a:lstStyle/>
@@ -4479,7 +4479,7 @@
         </p:nvSpPr>
         <p:spPr>
           <a:xfrm>
-            <a:off x="975905" y="7948292"/>
+            <a:off x="724891" y="7948292"/>
             <a:ext cx="774571" cy="369332"/>
           </a:xfrm>
           <a:prstGeom prst="rect">
@@ -4495,7 +4495,7 @@
           </a:effectLst>
         </p:spPr>
         <p:txBody>
-          <a:bodyPr wrap="none" rtlCol="0">
+          <a:bodyPr wrap="square" rtlCol="0">
             <a:spAutoFit/>
           </a:bodyPr>
           <a:lstStyle/>
@@ -4521,7 +4521,7 @@
         </p:nvSpPr>
         <p:spPr>
           <a:xfrm>
-            <a:off x="975905" y="8591672"/>
+            <a:off x="724891" y="8591672"/>
             <a:ext cx="540533" cy="369332"/>
           </a:xfrm>
           <a:prstGeom prst="rect">
@@ -4537,7 +4537,7 @@
           </a:effectLst>
         </p:spPr>
         <p:txBody>
-          <a:bodyPr wrap="none" rtlCol="0">
+          <a:bodyPr wrap="square" rtlCol="0">
             <a:spAutoFit/>
           </a:bodyPr>
           <a:lstStyle/>
@@ -4563,7 +4563,7 @@
         </p:nvSpPr>
         <p:spPr>
           <a:xfrm>
-            <a:off x="1040797" y="9235055"/>
+            <a:off x="789783" y="9235055"/>
             <a:ext cx="410690" cy="369332"/>
           </a:xfrm>
           <a:prstGeom prst="rect">
@@ -4579,7 +4579,7 @@
           </a:effectLst>
         </p:spPr>
         <p:txBody>
-          <a:bodyPr wrap="none" rtlCol="0">
+          <a:bodyPr wrap="square" rtlCol="0">
             <a:spAutoFit/>
           </a:bodyPr>
           <a:lstStyle/>
@@ -4605,8 +4605,8 @@
         </p:nvSpPr>
         <p:spPr>
           <a:xfrm>
-            <a:off x="1705826" y="2804170"/>
-            <a:ext cx="4804672" cy="369332"/>
+            <a:off x="1454812" y="2804170"/>
+            <a:ext cx="4168502" cy="369332"/>
           </a:xfrm>
           <a:prstGeom prst="rect">
             <a:avLst/>
@@ -4669,8 +4669,8 @@
         </p:nvSpPr>
         <p:spPr>
           <a:xfrm>
-            <a:off x="1705824" y="4100228"/>
-            <a:ext cx="4804672" cy="369332"/>
+            <a:off x="1454810" y="4100228"/>
+            <a:ext cx="4168502" cy="369332"/>
           </a:xfrm>
           <a:prstGeom prst="rect">
             <a:avLst/>
@@ -4761,7 +4761,7 @@
         </p:nvSpPr>
         <p:spPr>
           <a:xfrm>
-            <a:off x="1733875" y="9760691"/>
+            <a:off x="1482861" y="9760691"/>
             <a:ext cx="3259547" cy="369332"/>
           </a:xfrm>
           <a:prstGeom prst="rect">
@@ -4777,7 +4777,7 @@
           </a:effectLst>
         </p:spPr>
         <p:txBody>
-          <a:bodyPr wrap="none" rtlCol="0">
+          <a:bodyPr wrap="square" rtlCol="0">
             <a:spAutoFit/>
           </a:bodyPr>
           <a:lstStyle/>
@@ -4785,6 +4785,84 @@
             <a:r>
               <a:rPr lang="fr-FR" i="1" dirty="0"/>
               <a:t>19h30 soirée jeux et Restaurant </a:t>
+            </a:r>
+          </a:p>
+        </p:txBody>
+      </p:sp>
+      <p:pic>
+        <p:nvPicPr>
+          <p:cNvPr id="5" name="Image 4">
+            <a:extLst>
+              <a:ext uri="{FF2B5EF4-FFF2-40B4-BE49-F238E27FC236}">
+                <a16:creationId xmlns:a16="http://schemas.microsoft.com/office/drawing/2014/main" id="{8BE12911-A10A-43CC-8C30-7CD6FC1A81ED}"/>
+              </a:ext>
+            </a:extLst>
+          </p:cNvPr>
+          <p:cNvPicPr>
+            <a:picLocks noChangeAspect="1"/>
+          </p:cNvPicPr>
+          <p:nvPr/>
+        </p:nvPicPr>
+        <p:blipFill>
+          <a:blip r:embed="rId4">
+            <a:extLst>
+              <a:ext uri="{28A0092B-C50C-407E-A947-70E740481C1C}">
+                <a14:useLocalDpi xmlns:a14="http://schemas.microsoft.com/office/drawing/2010/main" val="0"/>
+              </a:ext>
+            </a:extLst>
+          </a:blip>
+          <a:stretch>
+            <a:fillRect/>
+          </a:stretch>
+        </p:blipFill>
+        <p:spPr>
+          <a:xfrm>
+            <a:off x="6051804" y="8072503"/>
+            <a:ext cx="1206441" cy="1206441"/>
+          </a:xfrm>
+          <a:prstGeom prst="rect">
+            <a:avLst/>
+          </a:prstGeom>
+        </p:spPr>
+      </p:pic>
+      <p:sp>
+        <p:nvSpPr>
+          <p:cNvPr id="37" name="ZoneTexte 36">
+            <a:extLst>
+              <a:ext uri="{FF2B5EF4-FFF2-40B4-BE49-F238E27FC236}">
+                <a16:creationId xmlns:a16="http://schemas.microsoft.com/office/drawing/2014/main" id="{7B231263-5E34-4654-AB22-D8FEB4912B3F}"/>
+              </a:ext>
+            </a:extLst>
+          </p:cNvPr>
+          <p:cNvSpPr txBox="1"/>
+          <p:nvPr/>
+        </p:nvSpPr>
+        <p:spPr>
+          <a:xfrm>
+            <a:off x="5975621" y="9265832"/>
+            <a:ext cx="3259547" cy="307777"/>
+          </a:xfrm>
+          <a:prstGeom prst="rect">
+            <a:avLst/>
+          </a:prstGeom>
+          <a:noFill/>
+          <a:effectLst>
+            <a:outerShdw blurRad="50800" dist="38100" dir="2700000" algn="tl" rotWithShape="0">
+              <a:prstClr val="black">
+                <a:alpha val="40000"/>
+              </a:prstClr>
+            </a:outerShdw>
+          </a:effectLst>
+        </p:spPr>
+        <p:txBody>
+          <a:bodyPr wrap="square" rtlCol="0">
+            <a:spAutoFit/>
+          </a:bodyPr>
+          <a:lstStyle/>
+          <a:p>
+            <a:r>
+              <a:rPr lang="fr-FR" sz="1400" i="1" dirty="0"/>
+              <a:t>Version en ligne</a:t>
             </a:r>
           </a:p>
         </p:txBody>
@@ -4899,8 +4977,8 @@
         </p:nvSpPr>
         <p:spPr>
           <a:xfrm>
-            <a:off x="240533" y="2340813"/>
-            <a:ext cx="3179632" cy="584775"/>
+            <a:off x="240532" y="2340813"/>
+            <a:ext cx="3766691" cy="584775"/>
           </a:xfrm>
           <a:prstGeom prst="rect">
             <a:avLst/>
@@ -4929,7 +5007,7 @@
                 </a:solidFill>
                 <a:latin typeface="Lexend"/>
               </a:rPr>
-              <a:t>Si tu recherches un stagiaire / doctorant / postdoc / un emploi ?</a:t>
+              <a:t>Tu recherches un stagiaire / un  doctorant / un postdoc / un emploi ?</a:t>
             </a:r>
           </a:p>
         </p:txBody>
@@ -4965,7 +5043,7 @@
         </p:blipFill>
         <p:spPr>
           <a:xfrm rot="3249859">
-            <a:off x="3601290" y="2357395"/>
+            <a:off x="4139913" y="2394935"/>
             <a:ext cx="914400" cy="914400"/>
           </a:xfrm>
           <a:prstGeom prst="rect">
@@ -5473,7 +5551,7 @@
                 </a:solidFill>
                 <a:latin typeface="Lexend"/>
               </a:rPr>
-              <a:t> de l’université de Rouen Normandie</a:t>
+              <a:t> de l’Université de Rouen Normandie</a:t>
             </a:r>
           </a:p>
         </p:txBody>
